--- a/fig/LongReadAssembly.pptx
+++ b/fig/LongReadAssembly.pptx
@@ -264,7 +264,7 @@
           <a:p>
             <a:fld id="{C7EFC83C-B988-4A9E-9713-F559C31F4362}" type="datetimeFigureOut">
               <a:rPr lang="nl-NL" smtClean="0"/>
-              <a:t>19-4-2023</a:t>
+              <a:t>13-11-2024</a:t>
             </a:fld>
             <a:endParaRPr lang="nl-NL"/>
           </a:p>
@@ -422,7 +422,7 @@
           <a:p>
             <a:fld id="{55D45D2F-C69D-4D90-B22B-9B2DC58DBD55}" type="slidenum">
               <a:rPr lang="nl-NL" smtClean="0"/>
-              <a:t>‹#›</a:t>
+              <a:t>‹nr.›</a:t>
             </a:fld>
             <a:endParaRPr lang="nl-NL"/>
           </a:p>
@@ -1132,7 +1132,7 @@
             <a:fld id="{F25965E0-7062-474C-8671-DB3A3CE669B0}" type="slidenum">
               <a:rPr lang="nl-NL" smtClean="0"/>
               <a:pPr algn="r"/>
-              <a:t>‹#›</a:t>
+              <a:t>‹nr.›</a:t>
             </a:fld>
             <a:endParaRPr lang="nl-NL"/>
           </a:p>
@@ -1346,7 +1346,7 @@
             <a:fld id="{F25965E0-7062-474C-8671-DB3A3CE669B0}" type="slidenum">
               <a:rPr lang="nl-NL" smtClean="0"/>
               <a:pPr algn="r"/>
-              <a:t>‹#›</a:t>
+              <a:t>‹nr.›</a:t>
             </a:fld>
             <a:endParaRPr lang="nl-NL"/>
           </a:p>
@@ -1722,7 +1722,7 @@
             <a:fld id="{F25965E0-7062-474C-8671-DB3A3CE669B0}" type="slidenum">
               <a:rPr lang="nl-NL" smtClean="0"/>
               <a:pPr algn="r"/>
-              <a:t>‹#›</a:t>
+              <a:t>‹nr.›</a:t>
             </a:fld>
             <a:endParaRPr lang="nl-NL"/>
           </a:p>
@@ -1800,7 +1800,7 @@
             <a:fld id="{F25965E0-7062-474C-8671-DB3A3CE669B0}" type="slidenum">
               <a:rPr lang="nl-NL" smtClean="0"/>
               <a:pPr algn="r"/>
-              <a:t>‹#›</a:t>
+              <a:t>‹nr.›</a:t>
             </a:fld>
             <a:endParaRPr lang="nl-NL"/>
           </a:p>
@@ -1895,7 +1895,7 @@
             <a:fld id="{F25965E0-7062-474C-8671-DB3A3CE669B0}" type="slidenum">
               <a:rPr lang="nl-NL" smtClean="0"/>
               <a:pPr algn="r"/>
-              <a:t>‹#›</a:t>
+              <a:t>‹nr.›</a:t>
             </a:fld>
             <a:endParaRPr lang="nl-NL"/>
           </a:p>
@@ -2078,7 +2078,7 @@
             <a:fld id="{F25965E0-7062-474C-8671-DB3A3CE669B0}" type="slidenum">
               <a:rPr lang="nl-NL" smtClean="0"/>
               <a:pPr algn="r"/>
-              <a:t>‹#›</a:t>
+              <a:t>‹nr.›</a:t>
             </a:fld>
             <a:endParaRPr lang="nl-NL"/>
           </a:p>
@@ -2192,7 +2192,7 @@
             <a:fld id="{F25965E0-7062-474C-8671-DB3A3CE669B0}" type="slidenum">
               <a:rPr lang="nl-NL" smtClean="0"/>
               <a:pPr algn="r"/>
-              <a:t>‹#›</a:t>
+              <a:t>‹nr.›</a:t>
             </a:fld>
             <a:endParaRPr lang="nl-NL"/>
           </a:p>
@@ -2303,7 +2303,7 @@
             <a:fld id="{F25965E0-7062-474C-8671-DB3A3CE669B0}" type="slidenum">
               <a:rPr lang="nl-NL" smtClean="0"/>
               <a:pPr algn="r"/>
-              <a:t>‹#›</a:t>
+              <a:t>‹nr.›</a:t>
             </a:fld>
             <a:endParaRPr lang="nl-NL"/>
           </a:p>
@@ -2413,7 +2413,7 @@
             <a:fld id="{F25965E0-7062-474C-8671-DB3A3CE669B0}" type="slidenum">
               <a:rPr lang="nl-NL" smtClean="0"/>
               <a:pPr algn="r"/>
-              <a:t>‹#›</a:t>
+              <a:t>‹nr.›</a:t>
             </a:fld>
             <a:endParaRPr lang="nl-NL"/>
           </a:p>
@@ -2536,7 +2536,7 @@
             <a:fld id="{F25965E0-7062-474C-8671-DB3A3CE669B0}" type="slidenum">
               <a:rPr lang="nl-NL" smtClean="0"/>
               <a:pPr algn="r"/>
-              <a:t>‹#›</a:t>
+              <a:t>‹nr.›</a:t>
             </a:fld>
             <a:endParaRPr lang="nl-NL"/>
           </a:p>
@@ -2896,7 +2896,7 @@
             <a:fld id="{F25965E0-7062-474C-8671-DB3A3CE669B0}" type="slidenum">
               <a:rPr lang="nl-NL" smtClean="0"/>
               <a:pPr algn="r"/>
-              <a:t>‹#›</a:t>
+              <a:t>‹nr.›</a:t>
             </a:fld>
             <a:endParaRPr lang="nl-NL"/>
           </a:p>
@@ -2979,7 +2979,7 @@
             <a:fld id="{F25965E0-7062-474C-8671-DB3A3CE669B0}" type="slidenum">
               <a:rPr lang="nl-NL" smtClean="0"/>
               <a:pPr algn="r"/>
-              <a:t>‹#›</a:t>
+              <a:t>‹nr.›</a:t>
             </a:fld>
             <a:endParaRPr lang="nl-NL"/>
           </a:p>
@@ -3234,7 +3234,7 @@
             <a:fld id="{F25965E0-7062-474C-8671-DB3A3CE669B0}" type="slidenum">
               <a:rPr lang="nl-NL" smtClean="0"/>
               <a:pPr algn="r"/>
-              <a:t>‹#›</a:t>
+              <a:t>‹nr.›</a:t>
             </a:fld>
             <a:endParaRPr lang="nl-NL"/>
           </a:p>
@@ -3311,7 +3311,7 @@
             <a:fld id="{F25965E0-7062-474C-8671-DB3A3CE669B0}" type="slidenum">
               <a:rPr lang="nl-NL" smtClean="0"/>
               <a:pPr algn="r"/>
-              <a:t>‹#›</a:t>
+              <a:t>‹nr.›</a:t>
             </a:fld>
             <a:endParaRPr lang="nl-NL"/>
           </a:p>
@@ -3512,7 +3512,7 @@
             <a:fld id="{F25965E0-7062-474C-8671-DB3A3CE669B0}" type="slidenum">
               <a:rPr lang="nl-NL" smtClean="0"/>
               <a:pPr algn="r"/>
-              <a:t>‹#›</a:t>
+              <a:t>‹nr.›</a:t>
             </a:fld>
             <a:endParaRPr lang="nl-NL"/>
           </a:p>
@@ -3671,7 +3671,7 @@
             <a:fld id="{F25965E0-7062-474C-8671-DB3A3CE669B0}" type="slidenum">
               <a:rPr lang="nl-NL" smtClean="0"/>
               <a:pPr algn="r"/>
-              <a:t>‹#›</a:t>
+              <a:t>‹nr.›</a:t>
             </a:fld>
             <a:endParaRPr lang="nl-NL"/>
           </a:p>
@@ -3798,7 +3798,7 @@
             <a:fld id="{F25965E0-7062-474C-8671-DB3A3CE669B0}" type="slidenum">
               <a:rPr lang="nl-NL" smtClean="0"/>
               <a:pPr algn="r"/>
-              <a:t>‹#›</a:t>
+              <a:t>‹nr.›</a:t>
             </a:fld>
             <a:endParaRPr lang="nl-NL"/>
           </a:p>
@@ -3900,7 +3900,7 @@
             <a:fld id="{F25965E0-7062-474C-8671-DB3A3CE669B0}" type="slidenum">
               <a:rPr lang="nl-NL" smtClean="0"/>
               <a:pPr algn="r"/>
-              <a:t>‹#›</a:t>
+              <a:t>‹nr.›</a:t>
             </a:fld>
             <a:endParaRPr lang="nl-NL"/>
           </a:p>
@@ -4135,7 +4135,7 @@
             <a:fld id="{F25965E0-7062-474C-8671-DB3A3CE669B0}" type="slidenum">
               <a:rPr lang="nl-NL" smtClean="0"/>
               <a:pPr algn="r"/>
-              <a:t>‹#›</a:t>
+              <a:t>‹nr.›</a:t>
             </a:fld>
             <a:endParaRPr lang="nl-NL"/>
           </a:p>
@@ -4926,7 +4926,7 @@
             <a:fld id="{F25965E0-7062-474C-8671-DB3A3CE669B0}" type="slidenum">
               <a:rPr lang="nl-NL" smtClean="0"/>
               <a:pPr algn="r"/>
-              <a:t>‹#›</a:t>
+              <a:t>‹nr.›</a:t>
             </a:fld>
             <a:endParaRPr lang="nl-NL"/>
           </a:p>
@@ -5614,7 +5614,7 @@
           <a:p>
             <a:r>
               <a:rPr lang="en-GB" dirty="0"/>
-              <a:t>20/21 April 2023</a:t>
+              <a:t>21/22 November 2024</a:t>
             </a:r>
           </a:p>
         </p:txBody>
@@ -6258,7 +6258,7 @@
                 <a:latin typeface="Calibri" panose="020F0502020204030204" pitchFamily="34" charset="0"/>
                 <a:ea typeface="Calibri" panose="020F0502020204030204" pitchFamily="34" charset="0"/>
               </a:rPr>
-              <a:t>20th of April</a:t>
+              <a:t>November 21</a:t>
             </a:r>
             <a:r>
               <a:rPr lang="en-GB" sz="1800" dirty="0">
@@ -6274,7 +6274,7 @@
                 <a:latin typeface="Calibri" panose="020F0502020204030204" pitchFamily="34" charset="0"/>
                 <a:ea typeface="Calibri" panose="020F0502020204030204" pitchFamily="34" charset="0"/>
               </a:rPr>
-              <a:t>room B3015 of the Orion</a:t>
+              <a:t>room B0106 in the Forum</a:t>
             </a:r>
             <a:r>
               <a:rPr lang="en-GB" sz="1800" dirty="0">
@@ -6287,12 +6287,19 @@
           </a:p>
           <a:p>
             <a:r>
+              <a:rPr lang="en-GB" b="1" dirty="0">
+                <a:latin typeface="Calibri" panose="020F0502020204030204" pitchFamily="34" charset="0"/>
+                <a:ea typeface="Calibri" panose="020F0502020204030204" pitchFamily="34" charset="0"/>
+              </a:rPr>
+              <a:t>November 22</a:t>
+            </a:r>
+            <a:r>
               <a:rPr lang="en-GB" sz="1800" b="1" dirty="0">
                 <a:effectLst/>
                 <a:latin typeface="Calibri" panose="020F0502020204030204" pitchFamily="34" charset="0"/>
                 <a:ea typeface="Calibri" panose="020F0502020204030204" pitchFamily="34" charset="0"/>
               </a:rPr>
-              <a:t>21st of April:</a:t>
+              <a:t>:</a:t>
             </a:r>
             <a:r>
               <a:rPr lang="en-GB" sz="1800" dirty="0">
@@ -6308,7 +6315,7 @@
                 <a:latin typeface="Calibri" panose="020F0502020204030204" pitchFamily="34" charset="0"/>
                 <a:ea typeface="Calibri" panose="020F0502020204030204" pitchFamily="34" charset="0"/>
               </a:rPr>
-              <a:t>room B0656 of the Forum</a:t>
+              <a:t>room B0106 in the Forum</a:t>
             </a:r>
             <a:r>
               <a:rPr lang="en-GB" sz="1800" dirty="0">
